--- a/RedeDeObjetivos.pptx
+++ b/RedeDeObjetivos.pptx
@@ -106,6 +106,11 @@
       </a:defRPr>
     </a:lvl9pPr>
   </p:defaultTextStyle>
+  <p:extLst>
+    <p:ext uri="{EFAFB233-063F-42B5-8137-9DF3F51BA10A}">
+      <p15:sldGuideLst xmlns:p15="http://schemas.microsoft.com/office/powerpoint/2012/main"/>
+    </p:ext>
+  </p:extLst>
 </p:presentation>
 </file>
 
@@ -151,10 +156,9 @@
           </a:lstStyle>
           <a:p>
             <a:r>
-              <a:rPr lang="pt-PT" smtClean="0"/>
+              <a:rPr lang="pt-PT"/>
               <a:t>Clique para editar o estilo</a:t>
             </a:r>
-            <a:endParaRPr lang="pt-PT"/>
           </a:p>
         </p:txBody>
       </p:sp>
@@ -216,10 +220,9 @@
           </a:lstStyle>
           <a:p>
             <a:r>
-              <a:rPr lang="pt-PT" smtClean="0"/>
+              <a:rPr lang="pt-PT"/>
               <a:t>Clique para editar o estilo do subtítulo do Modelo Global</a:t>
             </a:r>
-            <a:endParaRPr lang="pt-PT"/>
           </a:p>
         </p:txBody>
       </p:sp>
@@ -240,7 +243,7 @@
           <a:p>
             <a:fld id="{2DD01BCF-5E75-484A-A1E5-AE379F612AF5}" type="datetimeFigureOut">
               <a:rPr lang="pt-PT" smtClean="0"/>
-              <a:t>24/04/2019</a:t>
+              <a:t>11/06/19</a:t>
             </a:fld>
             <a:endParaRPr lang="pt-PT"/>
           </a:p>
@@ -334,10 +337,9 @@
           <a:lstStyle/>
           <a:p>
             <a:r>
-              <a:rPr lang="pt-PT" smtClean="0"/>
+              <a:rPr lang="pt-PT"/>
               <a:t>Clique para editar o estilo</a:t>
             </a:r>
-            <a:endParaRPr lang="pt-PT"/>
           </a:p>
         </p:txBody>
       </p:sp>
@@ -358,38 +360,37 @@
           <a:p>
             <a:pPr lvl="0"/>
             <a:r>
-              <a:rPr lang="pt-PT" smtClean="0"/>
+              <a:rPr lang="pt-PT"/>
               <a:t>Editar os estilos de texto do Modelo Global</a:t>
             </a:r>
           </a:p>
           <a:p>
             <a:pPr lvl="1"/>
             <a:r>
-              <a:rPr lang="pt-PT" smtClean="0"/>
+              <a:rPr lang="pt-PT"/>
               <a:t>Segundo nível</a:t>
             </a:r>
           </a:p>
           <a:p>
             <a:pPr lvl="2"/>
             <a:r>
-              <a:rPr lang="pt-PT" smtClean="0"/>
+              <a:rPr lang="pt-PT"/>
               <a:t>Terceiro nível</a:t>
             </a:r>
           </a:p>
           <a:p>
             <a:pPr lvl="3"/>
             <a:r>
-              <a:rPr lang="pt-PT" smtClean="0"/>
+              <a:rPr lang="pt-PT"/>
               <a:t>Quarto nível</a:t>
             </a:r>
           </a:p>
           <a:p>
             <a:pPr lvl="4"/>
             <a:r>
-              <a:rPr lang="pt-PT" smtClean="0"/>
+              <a:rPr lang="pt-PT"/>
               <a:t>Quinto nível</a:t>
             </a:r>
-            <a:endParaRPr lang="pt-PT"/>
           </a:p>
         </p:txBody>
       </p:sp>
@@ -410,7 +411,7 @@
           <a:p>
             <a:fld id="{2DD01BCF-5E75-484A-A1E5-AE379F612AF5}" type="datetimeFigureOut">
               <a:rPr lang="pt-PT" smtClean="0"/>
-              <a:t>24/04/2019</a:t>
+              <a:t>11/06/19</a:t>
             </a:fld>
             <a:endParaRPr lang="pt-PT"/>
           </a:p>
@@ -509,10 +510,9 @@
           <a:lstStyle/>
           <a:p>
             <a:r>
-              <a:rPr lang="pt-PT" smtClean="0"/>
+              <a:rPr lang="pt-PT"/>
               <a:t>Clique para editar o estilo</a:t>
             </a:r>
-            <a:endParaRPr lang="pt-PT"/>
           </a:p>
         </p:txBody>
       </p:sp>
@@ -538,38 +538,37 @@
           <a:p>
             <a:pPr lvl="0"/>
             <a:r>
-              <a:rPr lang="pt-PT" smtClean="0"/>
+              <a:rPr lang="pt-PT"/>
               <a:t>Editar os estilos de texto do Modelo Global</a:t>
             </a:r>
           </a:p>
           <a:p>
             <a:pPr lvl="1"/>
             <a:r>
-              <a:rPr lang="pt-PT" smtClean="0"/>
+              <a:rPr lang="pt-PT"/>
               <a:t>Segundo nível</a:t>
             </a:r>
           </a:p>
           <a:p>
             <a:pPr lvl="2"/>
             <a:r>
-              <a:rPr lang="pt-PT" smtClean="0"/>
+              <a:rPr lang="pt-PT"/>
               <a:t>Terceiro nível</a:t>
             </a:r>
           </a:p>
           <a:p>
             <a:pPr lvl="3"/>
             <a:r>
-              <a:rPr lang="pt-PT" smtClean="0"/>
+              <a:rPr lang="pt-PT"/>
               <a:t>Quarto nível</a:t>
             </a:r>
           </a:p>
           <a:p>
             <a:pPr lvl="4"/>
             <a:r>
-              <a:rPr lang="pt-PT" smtClean="0"/>
+              <a:rPr lang="pt-PT"/>
               <a:t>Quinto nível</a:t>
             </a:r>
-            <a:endParaRPr lang="pt-PT"/>
           </a:p>
         </p:txBody>
       </p:sp>
@@ -590,7 +589,7 @@
           <a:p>
             <a:fld id="{2DD01BCF-5E75-484A-A1E5-AE379F612AF5}" type="datetimeFigureOut">
               <a:rPr lang="pt-PT" smtClean="0"/>
-              <a:t>24/04/2019</a:t>
+              <a:t>11/06/19</a:t>
             </a:fld>
             <a:endParaRPr lang="pt-PT"/>
           </a:p>
@@ -684,10 +683,9 @@
           <a:lstStyle/>
           <a:p>
             <a:r>
-              <a:rPr lang="pt-PT" smtClean="0"/>
+              <a:rPr lang="pt-PT"/>
               <a:t>Clique para editar o estilo</a:t>
             </a:r>
-            <a:endParaRPr lang="pt-PT"/>
           </a:p>
         </p:txBody>
       </p:sp>
@@ -708,38 +706,37 @@
           <a:p>
             <a:pPr lvl="0"/>
             <a:r>
-              <a:rPr lang="pt-PT" smtClean="0"/>
+              <a:rPr lang="pt-PT"/>
               <a:t>Editar os estilos de texto do Modelo Global</a:t>
             </a:r>
           </a:p>
           <a:p>
             <a:pPr lvl="1"/>
             <a:r>
-              <a:rPr lang="pt-PT" smtClean="0"/>
+              <a:rPr lang="pt-PT"/>
               <a:t>Segundo nível</a:t>
             </a:r>
           </a:p>
           <a:p>
             <a:pPr lvl="2"/>
             <a:r>
-              <a:rPr lang="pt-PT" smtClean="0"/>
+              <a:rPr lang="pt-PT"/>
               <a:t>Terceiro nível</a:t>
             </a:r>
           </a:p>
           <a:p>
             <a:pPr lvl="3"/>
             <a:r>
-              <a:rPr lang="pt-PT" smtClean="0"/>
+              <a:rPr lang="pt-PT"/>
               <a:t>Quarto nível</a:t>
             </a:r>
           </a:p>
           <a:p>
             <a:pPr lvl="4"/>
             <a:r>
-              <a:rPr lang="pt-PT" smtClean="0"/>
+              <a:rPr lang="pt-PT"/>
               <a:t>Quinto nível</a:t>
             </a:r>
-            <a:endParaRPr lang="pt-PT"/>
           </a:p>
         </p:txBody>
       </p:sp>
@@ -760,7 +757,7 @@
           <a:p>
             <a:fld id="{2DD01BCF-5E75-484A-A1E5-AE379F612AF5}" type="datetimeFigureOut">
               <a:rPr lang="pt-PT" smtClean="0"/>
-              <a:t>24/04/2019</a:t>
+              <a:t>11/06/19</a:t>
             </a:fld>
             <a:endParaRPr lang="pt-PT"/>
           </a:p>
@@ -863,10 +860,9 @@
           </a:lstStyle>
           <a:p>
             <a:r>
-              <a:rPr lang="pt-PT" smtClean="0"/>
+              <a:rPr lang="pt-PT"/>
               <a:t>Clique para editar o estilo</a:t>
             </a:r>
-            <a:endParaRPr lang="pt-PT"/>
           </a:p>
         </p:txBody>
       </p:sp>
@@ -983,7 +979,7 @@
           <a:p>
             <a:pPr lvl="0"/>
             <a:r>
-              <a:rPr lang="pt-PT" smtClean="0"/>
+              <a:rPr lang="pt-PT"/>
               <a:t>Editar os estilos de texto do Modelo Global</a:t>
             </a:r>
           </a:p>
@@ -1006,7 +1002,7 @@
           <a:p>
             <a:fld id="{2DD01BCF-5E75-484A-A1E5-AE379F612AF5}" type="datetimeFigureOut">
               <a:rPr lang="pt-PT" smtClean="0"/>
-              <a:t>24/04/2019</a:t>
+              <a:t>11/06/19</a:t>
             </a:fld>
             <a:endParaRPr lang="pt-PT"/>
           </a:p>
@@ -1100,10 +1096,9 @@
           <a:lstStyle/>
           <a:p>
             <a:r>
-              <a:rPr lang="pt-PT" smtClean="0"/>
+              <a:rPr lang="pt-PT"/>
               <a:t>Clique para editar o estilo</a:t>
             </a:r>
-            <a:endParaRPr lang="pt-PT"/>
           </a:p>
         </p:txBody>
       </p:sp>
@@ -1129,38 +1124,37 @@
           <a:p>
             <a:pPr lvl="0"/>
             <a:r>
-              <a:rPr lang="pt-PT" smtClean="0"/>
+              <a:rPr lang="pt-PT"/>
               <a:t>Editar os estilos de texto do Modelo Global</a:t>
             </a:r>
           </a:p>
           <a:p>
             <a:pPr lvl="1"/>
             <a:r>
-              <a:rPr lang="pt-PT" smtClean="0"/>
+              <a:rPr lang="pt-PT"/>
               <a:t>Segundo nível</a:t>
             </a:r>
           </a:p>
           <a:p>
             <a:pPr lvl="2"/>
             <a:r>
-              <a:rPr lang="pt-PT" smtClean="0"/>
+              <a:rPr lang="pt-PT"/>
               <a:t>Terceiro nível</a:t>
             </a:r>
           </a:p>
           <a:p>
             <a:pPr lvl="3"/>
             <a:r>
-              <a:rPr lang="pt-PT" smtClean="0"/>
+              <a:rPr lang="pt-PT"/>
               <a:t>Quarto nível</a:t>
             </a:r>
           </a:p>
           <a:p>
             <a:pPr lvl="4"/>
             <a:r>
-              <a:rPr lang="pt-PT" smtClean="0"/>
+              <a:rPr lang="pt-PT"/>
               <a:t>Quinto nível</a:t>
             </a:r>
-            <a:endParaRPr lang="pt-PT"/>
           </a:p>
         </p:txBody>
       </p:sp>
@@ -1186,38 +1180,37 @@
           <a:p>
             <a:pPr lvl="0"/>
             <a:r>
-              <a:rPr lang="pt-PT" smtClean="0"/>
+              <a:rPr lang="pt-PT"/>
               <a:t>Editar os estilos de texto do Modelo Global</a:t>
             </a:r>
           </a:p>
           <a:p>
             <a:pPr lvl="1"/>
             <a:r>
-              <a:rPr lang="pt-PT" smtClean="0"/>
+              <a:rPr lang="pt-PT"/>
               <a:t>Segundo nível</a:t>
             </a:r>
           </a:p>
           <a:p>
             <a:pPr lvl="2"/>
             <a:r>
-              <a:rPr lang="pt-PT" smtClean="0"/>
+              <a:rPr lang="pt-PT"/>
               <a:t>Terceiro nível</a:t>
             </a:r>
           </a:p>
           <a:p>
             <a:pPr lvl="3"/>
             <a:r>
-              <a:rPr lang="pt-PT" smtClean="0"/>
+              <a:rPr lang="pt-PT"/>
               <a:t>Quarto nível</a:t>
             </a:r>
           </a:p>
           <a:p>
             <a:pPr lvl="4"/>
             <a:r>
-              <a:rPr lang="pt-PT" smtClean="0"/>
+              <a:rPr lang="pt-PT"/>
               <a:t>Quinto nível</a:t>
             </a:r>
-            <a:endParaRPr lang="pt-PT"/>
           </a:p>
         </p:txBody>
       </p:sp>
@@ -1238,7 +1231,7 @@
           <a:p>
             <a:fld id="{2DD01BCF-5E75-484A-A1E5-AE379F612AF5}" type="datetimeFigureOut">
               <a:rPr lang="pt-PT" smtClean="0"/>
-              <a:t>24/04/2019</a:t>
+              <a:t>11/06/19</a:t>
             </a:fld>
             <a:endParaRPr lang="pt-PT"/>
           </a:p>
@@ -1337,10 +1330,9 @@
           <a:lstStyle/>
           <a:p>
             <a:r>
-              <a:rPr lang="pt-PT" smtClean="0"/>
+              <a:rPr lang="pt-PT"/>
               <a:t>Clique para editar o estilo</a:t>
             </a:r>
-            <a:endParaRPr lang="pt-PT"/>
           </a:p>
         </p:txBody>
       </p:sp>
@@ -1403,7 +1395,7 @@
           <a:p>
             <a:pPr lvl="0"/>
             <a:r>
-              <a:rPr lang="pt-PT" smtClean="0"/>
+              <a:rPr lang="pt-PT"/>
               <a:t>Editar os estilos de texto do Modelo Global</a:t>
             </a:r>
           </a:p>
@@ -1431,38 +1423,37 @@
           <a:p>
             <a:pPr lvl="0"/>
             <a:r>
-              <a:rPr lang="pt-PT" smtClean="0"/>
+              <a:rPr lang="pt-PT"/>
               <a:t>Editar os estilos de texto do Modelo Global</a:t>
             </a:r>
           </a:p>
           <a:p>
             <a:pPr lvl="1"/>
             <a:r>
-              <a:rPr lang="pt-PT" smtClean="0"/>
+              <a:rPr lang="pt-PT"/>
               <a:t>Segundo nível</a:t>
             </a:r>
           </a:p>
           <a:p>
             <a:pPr lvl="2"/>
             <a:r>
-              <a:rPr lang="pt-PT" smtClean="0"/>
+              <a:rPr lang="pt-PT"/>
               <a:t>Terceiro nível</a:t>
             </a:r>
           </a:p>
           <a:p>
             <a:pPr lvl="3"/>
             <a:r>
-              <a:rPr lang="pt-PT" smtClean="0"/>
+              <a:rPr lang="pt-PT"/>
               <a:t>Quarto nível</a:t>
             </a:r>
           </a:p>
           <a:p>
             <a:pPr lvl="4"/>
             <a:r>
-              <a:rPr lang="pt-PT" smtClean="0"/>
+              <a:rPr lang="pt-PT"/>
               <a:t>Quinto nível</a:t>
             </a:r>
-            <a:endParaRPr lang="pt-PT"/>
           </a:p>
         </p:txBody>
       </p:sp>
@@ -1525,7 +1516,7 @@
           <a:p>
             <a:pPr lvl="0"/>
             <a:r>
-              <a:rPr lang="pt-PT" smtClean="0"/>
+              <a:rPr lang="pt-PT"/>
               <a:t>Editar os estilos de texto do Modelo Global</a:t>
             </a:r>
           </a:p>
@@ -1553,38 +1544,37 @@
           <a:p>
             <a:pPr lvl="0"/>
             <a:r>
-              <a:rPr lang="pt-PT" smtClean="0"/>
+              <a:rPr lang="pt-PT"/>
               <a:t>Editar os estilos de texto do Modelo Global</a:t>
             </a:r>
           </a:p>
           <a:p>
             <a:pPr lvl="1"/>
             <a:r>
-              <a:rPr lang="pt-PT" smtClean="0"/>
+              <a:rPr lang="pt-PT"/>
               <a:t>Segundo nível</a:t>
             </a:r>
           </a:p>
           <a:p>
             <a:pPr lvl="2"/>
             <a:r>
-              <a:rPr lang="pt-PT" smtClean="0"/>
+              <a:rPr lang="pt-PT"/>
               <a:t>Terceiro nível</a:t>
             </a:r>
           </a:p>
           <a:p>
             <a:pPr lvl="3"/>
             <a:r>
-              <a:rPr lang="pt-PT" smtClean="0"/>
+              <a:rPr lang="pt-PT"/>
               <a:t>Quarto nível</a:t>
             </a:r>
           </a:p>
           <a:p>
             <a:pPr lvl="4"/>
             <a:r>
-              <a:rPr lang="pt-PT" smtClean="0"/>
+              <a:rPr lang="pt-PT"/>
               <a:t>Quinto nível</a:t>
             </a:r>
-            <a:endParaRPr lang="pt-PT"/>
           </a:p>
         </p:txBody>
       </p:sp>
@@ -1605,7 +1595,7 @@
           <a:p>
             <a:fld id="{2DD01BCF-5E75-484A-A1E5-AE379F612AF5}" type="datetimeFigureOut">
               <a:rPr lang="pt-PT" smtClean="0"/>
-              <a:t>24/04/2019</a:t>
+              <a:t>11/06/19</a:t>
             </a:fld>
             <a:endParaRPr lang="pt-PT"/>
           </a:p>
@@ -1699,10 +1689,9 @@
           <a:lstStyle/>
           <a:p>
             <a:r>
-              <a:rPr lang="pt-PT" smtClean="0"/>
+              <a:rPr lang="pt-PT"/>
               <a:t>Clique para editar o estilo</a:t>
             </a:r>
-            <a:endParaRPr lang="pt-PT"/>
           </a:p>
         </p:txBody>
       </p:sp>
@@ -1723,7 +1712,7 @@
           <a:p>
             <a:fld id="{2DD01BCF-5E75-484A-A1E5-AE379F612AF5}" type="datetimeFigureOut">
               <a:rPr lang="pt-PT" smtClean="0"/>
-              <a:t>24/04/2019</a:t>
+              <a:t>11/06/19</a:t>
             </a:fld>
             <a:endParaRPr lang="pt-PT"/>
           </a:p>
@@ -1818,7 +1807,7 @@
           <a:p>
             <a:fld id="{2DD01BCF-5E75-484A-A1E5-AE379F612AF5}" type="datetimeFigureOut">
               <a:rPr lang="pt-PT" smtClean="0"/>
-              <a:t>24/04/2019</a:t>
+              <a:t>11/06/19</a:t>
             </a:fld>
             <a:endParaRPr lang="pt-PT"/>
           </a:p>
@@ -1921,10 +1910,9 @@
           </a:lstStyle>
           <a:p>
             <a:r>
-              <a:rPr lang="pt-PT" smtClean="0"/>
+              <a:rPr lang="pt-PT"/>
               <a:t>Clique para editar o estilo</a:t>
             </a:r>
-            <a:endParaRPr lang="pt-PT"/>
           </a:p>
         </p:txBody>
       </p:sp>
@@ -1978,38 +1966,37 @@
           <a:p>
             <a:pPr lvl="0"/>
             <a:r>
-              <a:rPr lang="pt-PT" smtClean="0"/>
+              <a:rPr lang="pt-PT"/>
               <a:t>Editar os estilos de texto do Modelo Global</a:t>
             </a:r>
           </a:p>
           <a:p>
             <a:pPr lvl="1"/>
             <a:r>
-              <a:rPr lang="pt-PT" smtClean="0"/>
+              <a:rPr lang="pt-PT"/>
               <a:t>Segundo nível</a:t>
             </a:r>
           </a:p>
           <a:p>
             <a:pPr lvl="2"/>
             <a:r>
-              <a:rPr lang="pt-PT" smtClean="0"/>
+              <a:rPr lang="pt-PT"/>
               <a:t>Terceiro nível</a:t>
             </a:r>
           </a:p>
           <a:p>
             <a:pPr lvl="3"/>
             <a:r>
-              <a:rPr lang="pt-PT" smtClean="0"/>
+              <a:rPr lang="pt-PT"/>
               <a:t>Quarto nível</a:t>
             </a:r>
           </a:p>
           <a:p>
             <a:pPr lvl="4"/>
             <a:r>
-              <a:rPr lang="pt-PT" smtClean="0"/>
+              <a:rPr lang="pt-PT"/>
               <a:t>Quinto nível</a:t>
             </a:r>
-            <a:endParaRPr lang="pt-PT"/>
           </a:p>
         </p:txBody>
       </p:sp>
@@ -2072,7 +2059,7 @@
           <a:p>
             <a:pPr lvl="0"/>
             <a:r>
-              <a:rPr lang="pt-PT" smtClean="0"/>
+              <a:rPr lang="pt-PT"/>
               <a:t>Editar os estilos de texto do Modelo Global</a:t>
             </a:r>
           </a:p>
@@ -2095,7 +2082,7 @@
           <a:p>
             <a:fld id="{2DD01BCF-5E75-484A-A1E5-AE379F612AF5}" type="datetimeFigureOut">
               <a:rPr lang="pt-PT" smtClean="0"/>
-              <a:t>24/04/2019</a:t>
+              <a:t>11/06/19</a:t>
             </a:fld>
             <a:endParaRPr lang="pt-PT"/>
           </a:p>
@@ -2198,10 +2185,9 @@
           </a:lstStyle>
           <a:p>
             <a:r>
-              <a:rPr lang="pt-PT" smtClean="0"/>
+              <a:rPr lang="pt-PT"/>
               <a:t>Clique para editar o estilo</a:t>
             </a:r>
-            <a:endParaRPr lang="pt-PT"/>
           </a:p>
         </p:txBody>
       </p:sp>
@@ -2325,7 +2311,7 @@
           <a:p>
             <a:pPr lvl="0"/>
             <a:r>
-              <a:rPr lang="pt-PT" smtClean="0"/>
+              <a:rPr lang="pt-PT"/>
               <a:t>Editar os estilos de texto do Modelo Global</a:t>
             </a:r>
           </a:p>
@@ -2348,7 +2334,7 @@
           <a:p>
             <a:fld id="{2DD01BCF-5E75-484A-A1E5-AE379F612AF5}" type="datetimeFigureOut">
               <a:rPr lang="pt-PT" smtClean="0"/>
-              <a:t>24/04/2019</a:t>
+              <a:t>11/06/19</a:t>
             </a:fld>
             <a:endParaRPr lang="pt-PT"/>
           </a:p>
@@ -2457,10 +2443,9 @@
           <a:lstStyle/>
           <a:p>
             <a:r>
-              <a:rPr lang="pt-PT" smtClean="0"/>
+              <a:rPr lang="pt-PT"/>
               <a:t>Clique para editar o estilo</a:t>
             </a:r>
-            <a:endParaRPr lang="pt-PT"/>
           </a:p>
         </p:txBody>
       </p:sp>
@@ -2491,38 +2476,37 @@
           <a:p>
             <a:pPr lvl="0"/>
             <a:r>
-              <a:rPr lang="pt-PT" smtClean="0"/>
+              <a:rPr lang="pt-PT"/>
               <a:t>Editar os estilos de texto do Modelo Global</a:t>
             </a:r>
           </a:p>
           <a:p>
             <a:pPr lvl="1"/>
             <a:r>
-              <a:rPr lang="pt-PT" smtClean="0"/>
+              <a:rPr lang="pt-PT"/>
               <a:t>Segundo nível</a:t>
             </a:r>
           </a:p>
           <a:p>
             <a:pPr lvl="2"/>
             <a:r>
-              <a:rPr lang="pt-PT" smtClean="0"/>
+              <a:rPr lang="pt-PT"/>
               <a:t>Terceiro nível</a:t>
             </a:r>
           </a:p>
           <a:p>
             <a:pPr lvl="3"/>
             <a:r>
-              <a:rPr lang="pt-PT" smtClean="0"/>
+              <a:rPr lang="pt-PT"/>
               <a:t>Quarto nível</a:t>
             </a:r>
           </a:p>
           <a:p>
             <a:pPr lvl="4"/>
             <a:r>
-              <a:rPr lang="pt-PT" smtClean="0"/>
+              <a:rPr lang="pt-PT"/>
               <a:t>Quinto nível</a:t>
             </a:r>
-            <a:endParaRPr lang="pt-PT"/>
           </a:p>
         </p:txBody>
       </p:sp>
@@ -2561,7 +2545,7 @@
           <a:p>
             <a:fld id="{2DD01BCF-5E75-484A-A1E5-AE379F612AF5}" type="datetimeFigureOut">
               <a:rPr lang="pt-PT" smtClean="0"/>
-              <a:t>24/04/2019</a:t>
+              <a:t>11/06/19</a:t>
             </a:fld>
             <a:endParaRPr lang="pt-PT"/>
           </a:p>
@@ -3014,13 +2998,6 @@
   <p:clrMapOvr>
     <a:masterClrMapping/>
   </p:clrMapOvr>
-  <p:timing>
-    <p:tnLst>
-      <p:par>
-        <p:cTn id="1" dur="indefinite" restart="never" nodeType="tmRoot"/>
-      </p:par>
-    </p:tnLst>
-  </p:timing>
 </p:sld>
 </file>
 
@@ -3064,10 +3041,9 @@
           <a:lstStyle/>
           <a:p>
             <a:r>
-              <a:rPr lang="pt-PT" dirty="0" smtClean="0"/>
+              <a:rPr lang="pt-PT" dirty="0"/>
               <a:t>Maximizar Satisfação Global </a:t>
             </a:r>
-            <a:endParaRPr lang="pt-PT" dirty="0"/>
           </a:p>
         </p:txBody>
       </p:sp>
@@ -3094,18 +3070,17 @@
           <a:lstStyle/>
           <a:p>
             <a:r>
-              <a:rPr lang="pt-PT" dirty="0" smtClean="0"/>
+              <a:rPr lang="pt-PT" dirty="0"/>
               <a:t>Hierarquia dos objetivos fundamentais (no contexto do </a:t>
             </a:r>
             <a:r>
-              <a:rPr lang="pt-PT" dirty="0" err="1" smtClean="0"/>
+              <a:rPr lang="pt-PT" dirty="0" err="1"/>
               <a:t>McDonalds</a:t>
             </a:r>
             <a:r>
-              <a:rPr lang="pt-PT" dirty="0" smtClean="0"/>
+              <a:rPr lang="pt-PT" dirty="0"/>
               <a:t>)</a:t>
             </a:r>
-            <a:endParaRPr lang="pt-PT" dirty="0"/>
           </a:p>
         </p:txBody>
       </p:sp>
@@ -3221,7 +3196,7 @@
           <a:lstStyle/>
           <a:p>
             <a:r>
-              <a:rPr lang="pt-PT" dirty="0" smtClean="0"/>
+              <a:rPr lang="pt-PT" dirty="0"/>
               <a:t>Maximizar Lucro </a:t>
             </a:r>
           </a:p>
@@ -3250,7 +3225,7 @@
           <a:lstStyle/>
           <a:p>
             <a:r>
-              <a:rPr lang="pt-PT" dirty="0" smtClean="0"/>
+              <a:rPr lang="pt-PT" dirty="0"/>
               <a:t>Maximizar Satisfação do Cliente</a:t>
             </a:r>
           </a:p>
@@ -3317,10 +3292,9 @@
           <a:lstStyle/>
           <a:p>
             <a:r>
-              <a:rPr lang="pt-PT" dirty="0" smtClean="0"/>
+              <a:rPr lang="pt-PT" dirty="0"/>
               <a:t>Opinião do Cliente</a:t>
             </a:r>
-            <a:endParaRPr lang="pt-PT" dirty="0"/>
           </a:p>
         </p:txBody>
       </p:sp>
@@ -3334,13 +3308,6 @@
   <p:clrMapOvr>
     <a:masterClrMapping/>
   </p:clrMapOvr>
-  <p:timing>
-    <p:tnLst>
-      <p:par>
-        <p:cTn id="1" dur="indefinite" restart="never" nodeType="tmRoot"/>
-      </p:par>
-    </p:tnLst>
-  </p:timing>
 </p:sld>
 </file>
 
@@ -3384,10 +3351,9 @@
           <a:lstStyle/>
           <a:p>
             <a:r>
-              <a:rPr lang="pt-PT" dirty="0" smtClean="0"/>
+              <a:rPr lang="pt-PT" dirty="0"/>
               <a:t>Satisfação Global</a:t>
             </a:r>
-            <a:endParaRPr lang="pt-PT" dirty="0"/>
           </a:p>
         </p:txBody>
       </p:sp>
@@ -3414,7 +3380,7 @@
           <a:lstStyle/>
           <a:p>
             <a:r>
-              <a:rPr lang="pt-PT" dirty="0" smtClean="0"/>
+              <a:rPr lang="pt-PT" dirty="0"/>
               <a:t>Maximização do Lucro</a:t>
             </a:r>
           </a:p>
@@ -3443,10 +3409,9 @@
           <a:lstStyle/>
           <a:p>
             <a:r>
-              <a:rPr lang="pt-PT" dirty="0" smtClean="0"/>
+              <a:rPr lang="pt-PT" dirty="0"/>
               <a:t>Maximizar satisfação Cliente</a:t>
             </a:r>
-            <a:endParaRPr lang="pt-PT" dirty="0"/>
           </a:p>
         </p:txBody>
       </p:sp>
@@ -3511,10 +3476,9 @@
           <a:lstStyle/>
           <a:p>
             <a:r>
-              <a:rPr lang="pt-PT" dirty="0" smtClean="0"/>
+              <a:rPr lang="pt-PT" dirty="0"/>
               <a:t>Maximizar Venda de Hambúrgueres </a:t>
             </a:r>
-            <a:endParaRPr lang="pt-PT" dirty="0"/>
           </a:p>
         </p:txBody>
       </p:sp>
@@ -3580,19 +3544,19 @@
           <a:lstStyle/>
           <a:p>
             <a:r>
-              <a:rPr lang="pt-PT" dirty="0" smtClean="0"/>
+              <a:rPr lang="pt-PT" dirty="0"/>
               <a:t>Negociar as</a:t>
             </a:r>
           </a:p>
           <a:p>
             <a:r>
-              <a:rPr lang="pt-PT" dirty="0" smtClean="0"/>
+              <a:rPr lang="pt-PT" dirty="0"/>
               <a:t> matérias-primas </a:t>
             </a:r>
           </a:p>
           <a:p>
             <a:r>
-              <a:rPr lang="pt-PT" dirty="0" smtClean="0"/>
+              <a:rPr lang="pt-PT" dirty="0"/>
               <a:t>com os fornecedores</a:t>
             </a:r>
           </a:p>
@@ -3657,7 +3621,7 @@
           <a:lstStyle/>
           <a:p>
             <a:r>
-              <a:rPr lang="pt-PT" dirty="0" smtClean="0"/>
+              <a:rPr lang="pt-PT" dirty="0"/>
               <a:t>Escolha do Produto</a:t>
             </a:r>
           </a:p>
@@ -3724,10 +3688,9 @@
           <a:lstStyle/>
           <a:p>
             <a:r>
-              <a:rPr lang="pt-PT" dirty="0" smtClean="0"/>
+              <a:rPr lang="pt-PT" dirty="0"/>
               <a:t>Investir em publicidade</a:t>
             </a:r>
-            <a:endParaRPr lang="pt-PT" dirty="0"/>
           </a:p>
         </p:txBody>
       </p:sp>
@@ -3754,10 +3717,9 @@
           <a:lstStyle/>
           <a:p>
             <a:r>
-              <a:rPr lang="pt-PT" dirty="0" smtClean="0"/>
+              <a:rPr lang="pt-PT" dirty="0"/>
               <a:t>Manter Nível de Serviço </a:t>
             </a:r>
-            <a:endParaRPr lang="pt-PT" dirty="0"/>
           </a:p>
         </p:txBody>
       </p:sp>
@@ -3784,10 +3746,9 @@
           <a:lstStyle/>
           <a:p>
             <a:r>
-              <a:rPr lang="pt-PT" dirty="0" smtClean="0"/>
+              <a:rPr lang="pt-PT" dirty="0"/>
               <a:t>Reforçar a diversidade de Produtos</a:t>
             </a:r>
-            <a:endParaRPr lang="pt-PT" dirty="0"/>
           </a:p>
         </p:txBody>
       </p:sp>
@@ -3814,16 +3775,15 @@
           <a:lstStyle/>
           <a:p>
             <a:r>
-              <a:rPr lang="pt-PT" dirty="0" smtClean="0"/>
+              <a:rPr lang="pt-PT" dirty="0"/>
               <a:t>Diminuir </a:t>
             </a:r>
           </a:p>
           <a:p>
             <a:r>
-              <a:rPr lang="pt-PT" dirty="0" smtClean="0"/>
+              <a:rPr lang="pt-PT" dirty="0"/>
               <a:t>Filas de Espera</a:t>
             </a:r>
-            <a:endParaRPr lang="pt-PT" dirty="0"/>
           </a:p>
         </p:txBody>
       </p:sp>
@@ -3850,22 +3810,21 @@
           <a:lstStyle/>
           <a:p>
             <a:r>
-              <a:rPr lang="pt-PT" dirty="0" smtClean="0"/>
+              <a:rPr lang="pt-PT" dirty="0"/>
               <a:t>Maximizar a</a:t>
             </a:r>
           </a:p>
           <a:p>
             <a:r>
-              <a:rPr lang="pt-PT" dirty="0" smtClean="0"/>
+              <a:rPr lang="pt-PT" dirty="0"/>
               <a:t> Qualidade</a:t>
             </a:r>
           </a:p>
           <a:p>
             <a:r>
-              <a:rPr lang="pt-PT" dirty="0" smtClean="0"/>
+              <a:rPr lang="pt-PT" dirty="0"/>
               <a:t> dos Produtos</a:t>
             </a:r>
-            <a:endParaRPr lang="pt-PT" dirty="0"/>
           </a:p>
         </p:txBody>
       </p:sp>
@@ -3892,10 +3851,9 @@
           <a:lstStyle/>
           <a:p>
             <a:r>
-              <a:rPr lang="pt-PT" dirty="0" smtClean="0"/>
+              <a:rPr lang="pt-PT" dirty="0"/>
               <a:t>Maximizar a Qualidade do Atendimento</a:t>
             </a:r>
-            <a:endParaRPr lang="pt-PT" dirty="0"/>
           </a:p>
         </p:txBody>
       </p:sp>
@@ -3922,10 +3880,9 @@
           <a:lstStyle/>
           <a:p>
             <a:r>
-              <a:rPr lang="pt-PT" dirty="0" smtClean="0"/>
+              <a:rPr lang="pt-PT" dirty="0"/>
               <a:t>Dar Formação aos Colaboradores</a:t>
             </a:r>
-            <a:endParaRPr lang="pt-PT" dirty="0"/>
           </a:p>
         </p:txBody>
       </p:sp>
@@ -3972,14 +3929,13 @@
         <p:nvCxnSpPr>
           <p:cNvPr id="130" name="Conexão reta unidirecional 129"/>
           <p:cNvCxnSpPr>
-            <a:stCxn id="13" idx="0"/>
-            <a:endCxn id="4" idx="3"/>
+            <a:cxnSpLocks/>
           </p:cNvCxnSpPr>
           <p:nvPr/>
         </p:nvCxnSpPr>
         <p:spPr>
           <a:xfrm flipH="1" flipV="1">
-            <a:off x="6287100" y="412952"/>
+            <a:off x="6287100" y="412227"/>
             <a:ext cx="895622" cy="815525"/>
           </a:xfrm>
           <a:prstGeom prst="straightConnector1">
@@ -4317,13 +4273,6 @@
   <p:clrMapOvr>
     <a:masterClrMapping/>
   </p:clrMapOvr>
-  <p:timing>
-    <p:tnLst>
-      <p:par>
-        <p:cTn id="1" dur="indefinite" restart="never" nodeType="tmRoot"/>
-      </p:par>
-    </p:tnLst>
-  </p:timing>
 </p:sld>
 </file>
 
